--- a/기획/ID 규칙.pptx
+++ b/기획/ID 규칙.pptx
@@ -282,7 +282,7 @@
           <a:p>
             <a:fld id="{F156BF0A-373C-4E64-8C45-0116E0E5E607}" type="datetimeFigureOut">
               <a:rPr lang="ko-KR" altLang="en-US" smtClean="0"/>
-              <a:t>2023-12-18</a:t>
+              <a:t>2023-12-19</a:t>
             </a:fld>
             <a:endParaRPr lang="ko-KR" altLang="en-US"/>
           </a:p>
@@ -480,7 +480,7 @@
           <a:p>
             <a:fld id="{F156BF0A-373C-4E64-8C45-0116E0E5E607}" type="datetimeFigureOut">
               <a:rPr lang="ko-KR" altLang="en-US" smtClean="0"/>
-              <a:t>2023-12-18</a:t>
+              <a:t>2023-12-19</a:t>
             </a:fld>
             <a:endParaRPr lang="ko-KR" altLang="en-US"/>
           </a:p>
@@ -688,7 +688,7 @@
           <a:p>
             <a:fld id="{F156BF0A-373C-4E64-8C45-0116E0E5E607}" type="datetimeFigureOut">
               <a:rPr lang="ko-KR" altLang="en-US" smtClean="0"/>
-              <a:t>2023-12-18</a:t>
+              <a:t>2023-12-19</a:t>
             </a:fld>
             <a:endParaRPr lang="ko-KR" altLang="en-US"/>
           </a:p>
@@ -886,7 +886,7 @@
           <a:p>
             <a:fld id="{F156BF0A-373C-4E64-8C45-0116E0E5E607}" type="datetimeFigureOut">
               <a:rPr lang="ko-KR" altLang="en-US" smtClean="0"/>
-              <a:t>2023-12-18</a:t>
+              <a:t>2023-12-19</a:t>
             </a:fld>
             <a:endParaRPr lang="ko-KR" altLang="en-US"/>
           </a:p>
@@ -1161,7 +1161,7 @@
           <a:p>
             <a:fld id="{F156BF0A-373C-4E64-8C45-0116E0E5E607}" type="datetimeFigureOut">
               <a:rPr lang="ko-KR" altLang="en-US" smtClean="0"/>
-              <a:t>2023-12-18</a:t>
+              <a:t>2023-12-19</a:t>
             </a:fld>
             <a:endParaRPr lang="ko-KR" altLang="en-US"/>
           </a:p>
@@ -1426,7 +1426,7 @@
           <a:p>
             <a:fld id="{F156BF0A-373C-4E64-8C45-0116E0E5E607}" type="datetimeFigureOut">
               <a:rPr lang="ko-KR" altLang="en-US" smtClean="0"/>
-              <a:t>2023-12-18</a:t>
+              <a:t>2023-12-19</a:t>
             </a:fld>
             <a:endParaRPr lang="ko-KR" altLang="en-US"/>
           </a:p>
@@ -1838,7 +1838,7 @@
           <a:p>
             <a:fld id="{F156BF0A-373C-4E64-8C45-0116E0E5E607}" type="datetimeFigureOut">
               <a:rPr lang="ko-KR" altLang="en-US" smtClean="0"/>
-              <a:t>2023-12-18</a:t>
+              <a:t>2023-12-19</a:t>
             </a:fld>
             <a:endParaRPr lang="ko-KR" altLang="en-US"/>
           </a:p>
@@ -1979,7 +1979,7 @@
           <a:p>
             <a:fld id="{F156BF0A-373C-4E64-8C45-0116E0E5E607}" type="datetimeFigureOut">
               <a:rPr lang="ko-KR" altLang="en-US" smtClean="0"/>
-              <a:t>2023-12-18</a:t>
+              <a:t>2023-12-19</a:t>
             </a:fld>
             <a:endParaRPr lang="ko-KR" altLang="en-US"/>
           </a:p>
@@ -2092,7 +2092,7 @@
           <a:p>
             <a:fld id="{F156BF0A-373C-4E64-8C45-0116E0E5E607}" type="datetimeFigureOut">
               <a:rPr lang="ko-KR" altLang="en-US" smtClean="0"/>
-              <a:t>2023-12-18</a:t>
+              <a:t>2023-12-19</a:t>
             </a:fld>
             <a:endParaRPr lang="ko-KR" altLang="en-US"/>
           </a:p>
@@ -2403,7 +2403,7 @@
           <a:p>
             <a:fld id="{F156BF0A-373C-4E64-8C45-0116E0E5E607}" type="datetimeFigureOut">
               <a:rPr lang="ko-KR" altLang="en-US" smtClean="0"/>
-              <a:t>2023-12-18</a:t>
+              <a:t>2023-12-19</a:t>
             </a:fld>
             <a:endParaRPr lang="ko-KR" altLang="en-US"/>
           </a:p>
@@ -2691,7 +2691,7 @@
           <a:p>
             <a:fld id="{F156BF0A-373C-4E64-8C45-0116E0E5E607}" type="datetimeFigureOut">
               <a:rPr lang="ko-KR" altLang="en-US" smtClean="0"/>
-              <a:t>2023-12-18</a:t>
+              <a:t>2023-12-19</a:t>
             </a:fld>
             <a:endParaRPr lang="ko-KR" altLang="en-US"/>
           </a:p>
@@ -2932,7 +2932,7 @@
           <a:p>
             <a:fld id="{F156BF0A-373C-4E64-8C45-0116E0E5E607}" type="datetimeFigureOut">
               <a:rPr lang="ko-KR" altLang="en-US" smtClean="0"/>
-              <a:t>2023-12-18</a:t>
+              <a:t>2023-12-19</a:t>
             </a:fld>
             <a:endParaRPr lang="ko-KR" altLang="en-US"/>
           </a:p>
@@ -3364,14 +3364,14 @@
           <p:nvPr>
             <p:extLst>
               <p:ext uri="{D42A27DB-BD31-4B8C-83A1-F6EECF244321}">
-                <p14:modId xmlns:p14="http://schemas.microsoft.com/office/powerpoint/2010/main" val="2486082816"/>
+                <p14:modId xmlns:p14="http://schemas.microsoft.com/office/powerpoint/2010/main" val="1630259900"/>
               </p:ext>
             </p:extLst>
           </p:nvPr>
         </p:nvGraphicFramePr>
         <p:xfrm>
-          <a:off x="1098550" y="1872191"/>
-          <a:ext cx="8128000" cy="2727960"/>
+          <a:off x="846748" y="175274"/>
+          <a:ext cx="10498504" cy="3108960"/>
         </p:xfrm>
         <a:graphic>
           <a:graphicData uri="http://schemas.openxmlformats.org/drawingml/2006/table">
@@ -3380,56 +3380,56 @@
                 <a:tableStyleId>{5C22544A-7EE6-4342-B048-85BDC9FD1C3A}</a:tableStyleId>
               </a:tblPr>
               <a:tblGrid>
-                <a:gridCol w="1016000">
+                <a:gridCol w="1312313">
                   <a:extLst>
                     <a:ext uri="{9D8B030D-6E8A-4147-A177-3AD203B41FA5}">
                       <a16:colId xmlns:a16="http://schemas.microsoft.com/office/drawing/2014/main" val="3334027446"/>
                     </a:ext>
                   </a:extLst>
                 </a:gridCol>
-                <a:gridCol w="1016000">
+                <a:gridCol w="1312313">
                   <a:extLst>
                     <a:ext uri="{9D8B030D-6E8A-4147-A177-3AD203B41FA5}">
                       <a16:colId xmlns:a16="http://schemas.microsoft.com/office/drawing/2014/main" val="337674393"/>
                     </a:ext>
                   </a:extLst>
                 </a:gridCol>
-                <a:gridCol w="1016000">
+                <a:gridCol w="1312313">
                   <a:extLst>
                     <a:ext uri="{9D8B030D-6E8A-4147-A177-3AD203B41FA5}">
                       <a16:colId xmlns:a16="http://schemas.microsoft.com/office/drawing/2014/main" val="1103860475"/>
                     </a:ext>
                   </a:extLst>
                 </a:gridCol>
-                <a:gridCol w="1016000">
+                <a:gridCol w="1312313">
                   <a:extLst>
                     <a:ext uri="{9D8B030D-6E8A-4147-A177-3AD203B41FA5}">
                       <a16:colId xmlns:a16="http://schemas.microsoft.com/office/drawing/2014/main" val="4229139030"/>
                     </a:ext>
                   </a:extLst>
                 </a:gridCol>
-                <a:gridCol w="1016000">
+                <a:gridCol w="1312313">
                   <a:extLst>
                     <a:ext uri="{9D8B030D-6E8A-4147-A177-3AD203B41FA5}">
                       <a16:colId xmlns:a16="http://schemas.microsoft.com/office/drawing/2014/main" val="633030877"/>
                     </a:ext>
                   </a:extLst>
                 </a:gridCol>
-                <a:gridCol w="1016000">
+                <a:gridCol w="1312313">
                   <a:extLst>
                     <a:ext uri="{9D8B030D-6E8A-4147-A177-3AD203B41FA5}">
                       <a16:colId xmlns:a16="http://schemas.microsoft.com/office/drawing/2014/main" val="2251068380"/>
                     </a:ext>
                   </a:extLst>
                 </a:gridCol>
-                <a:gridCol w="1016000">
+                <a:gridCol w="1312313">
                   <a:extLst>
                     <a:ext uri="{9D8B030D-6E8A-4147-A177-3AD203B41FA5}">
                       <a16:colId xmlns:a16="http://schemas.microsoft.com/office/drawing/2014/main" val="869900496"/>
                     </a:ext>
                   </a:extLst>
                 </a:gridCol>
-                <a:gridCol w="1016000">
+                <a:gridCol w="1312313">
                   <a:extLst>
                     <a:ext uri="{9D8B030D-6E8A-4147-A177-3AD203B41FA5}">
                       <a16:colId xmlns:a16="http://schemas.microsoft.com/office/drawing/2014/main" val="254723685"/>
@@ -3437,7 +3437,7 @@
                   </a:extLst>
                 </a:gridCol>
               </a:tblGrid>
-              <a:tr h="370840">
+              <a:tr h="0">
                 <a:tc>
                   <a:txBody>
                     <a:bodyPr/>
@@ -3941,7 +3941,7 @@
                   </a:ext>
                 </a:extLst>
               </a:tr>
-              <a:tr h="370840">
+              <a:tr h="355435">
                 <a:tc>
                   <a:txBody>
                     <a:bodyPr/>
@@ -4344,7 +4344,7 @@
                     <a:lstStyle/>
                     <a:p>
                       <a:pPr algn="ctr" latinLnBrk="1"/>
-                      <a:endParaRPr lang="ko-KR" altLang="en-US" sz="800" b="0">
+                      <a:endParaRPr lang="ko-KR" altLang="en-US" sz="800" b="0" dirty="0">
                         <a:solidFill>
                           <a:schemeClr val="tx1"/>
                         </a:solidFill>
@@ -4588,7 +4588,7 @@
                   </a:ext>
                 </a:extLst>
               </a:tr>
-              <a:tr h="370840">
+              <a:tr h="0">
                 <a:tc>
                   <a:txBody>
                     <a:bodyPr/>
@@ -5092,7 +5092,7 @@
                   </a:ext>
                 </a:extLst>
               </a:tr>
-              <a:tr h="370840">
+              <a:tr h="231805">
                 <a:tc>
                   <a:txBody>
                     <a:bodyPr/>
@@ -5288,6 +5288,328 @@
                     <a:lstStyle/>
                     <a:p>
                       <a:pPr algn="ctr" latinLnBrk="1"/>
+                      <a:r>
+                        <a:rPr lang="en-US" altLang="ko-KR" sz="800" b="0" dirty="0">
+                          <a:solidFill>
+                            <a:schemeClr val="tx1"/>
+                          </a:solidFill>
+                        </a:rPr>
+                        <a:t>H=</a:t>
+                      </a:r>
+                      <a:r>
+                        <a:rPr lang="ko-KR" altLang="en-US" sz="800" b="0" dirty="0">
+                          <a:solidFill>
+                            <a:schemeClr val="tx1"/>
+                          </a:solidFill>
+                        </a:rPr>
+                        <a:t>머리</a:t>
+                      </a:r>
+                      <a:endParaRPr lang="en-US" altLang="ko-KR" sz="800" b="0" dirty="0">
+                        <a:solidFill>
+                          <a:schemeClr val="tx1"/>
+                        </a:solidFill>
+                      </a:endParaRPr>
+                    </a:p>
+                    <a:p>
+                      <a:pPr algn="ctr" latinLnBrk="1"/>
+                      <a:r>
+                        <a:rPr lang="en-US" altLang="ko-KR" sz="800" b="0" dirty="0">
+                          <a:solidFill>
+                            <a:schemeClr val="tx1"/>
+                          </a:solidFill>
+                        </a:rPr>
+                        <a:t>B=</a:t>
+                      </a:r>
+                      <a:r>
+                        <a:rPr lang="ko-KR" altLang="en-US" sz="800" b="0" dirty="0">
+                          <a:solidFill>
+                            <a:schemeClr val="tx1"/>
+                          </a:solidFill>
+                        </a:rPr>
+                        <a:t>몸</a:t>
+                      </a:r>
+                      <a:endParaRPr lang="en-US" altLang="ko-KR" sz="800" b="0" dirty="0">
+                        <a:solidFill>
+                          <a:schemeClr val="tx1"/>
+                        </a:solidFill>
+                      </a:endParaRPr>
+                    </a:p>
+                    <a:p>
+                      <a:pPr algn="ctr" latinLnBrk="1"/>
+                      <a:r>
+                        <a:rPr lang="en-US" altLang="ko-KR" sz="800" b="0" dirty="0">
+                          <a:solidFill>
+                            <a:schemeClr val="tx1"/>
+                          </a:solidFill>
+                        </a:rPr>
+                        <a:t>F=</a:t>
+                      </a:r>
+                      <a:r>
+                        <a:rPr lang="ko-KR" altLang="en-US" sz="800" b="0" dirty="0">
+                          <a:solidFill>
+                            <a:schemeClr val="tx1"/>
+                          </a:solidFill>
+                        </a:rPr>
+                        <a:t>발</a:t>
+                      </a:r>
+                      <a:endParaRPr lang="en-US" altLang="ko-KR" sz="800" b="0" dirty="0">
+                        <a:solidFill>
+                          <a:schemeClr val="tx1"/>
+                        </a:solidFill>
+                      </a:endParaRPr>
+                    </a:p>
+                    <a:p>
+                      <a:pPr algn="ctr" latinLnBrk="1"/>
+                      <a:r>
+                        <a:rPr lang="en-US" altLang="ko-KR" sz="800" b="0" dirty="0">
+                          <a:solidFill>
+                            <a:schemeClr val="tx1"/>
+                          </a:solidFill>
+                        </a:rPr>
+                        <a:t>A=</a:t>
+                      </a:r>
+                      <a:r>
+                        <a:rPr lang="ko-KR" altLang="en-US" sz="800" b="0" dirty="0">
+                          <a:solidFill>
+                            <a:schemeClr val="tx1"/>
+                          </a:solidFill>
+                        </a:rPr>
+                        <a:t>손</a:t>
+                      </a:r>
+                      <a:endParaRPr lang="en-US" altLang="ko-KR" sz="800" b="0" dirty="0">
+                        <a:solidFill>
+                          <a:schemeClr val="tx1"/>
+                        </a:solidFill>
+                      </a:endParaRPr>
+                    </a:p>
+                    <a:p>
+                      <a:pPr algn="ctr" latinLnBrk="1"/>
+                      <a:r>
+                        <a:rPr lang="en-US" altLang="ko-KR" sz="800" b="0" dirty="0">
+                          <a:solidFill>
+                            <a:schemeClr val="tx1"/>
+                          </a:solidFill>
+                        </a:rPr>
+                        <a:t>W=</a:t>
+                      </a:r>
+                      <a:r>
+                        <a:rPr lang="ko-KR" altLang="en-US" sz="800" b="0" dirty="0">
+                          <a:solidFill>
+                            <a:schemeClr val="tx1"/>
+                          </a:solidFill>
+                        </a:rPr>
+                        <a:t>무기</a:t>
+                      </a:r>
+                      <a:endParaRPr lang="en-US" altLang="ko-KR" sz="800" b="0" dirty="0">
+                        <a:solidFill>
+                          <a:schemeClr val="tx1"/>
+                        </a:solidFill>
+                      </a:endParaRPr>
+                    </a:p>
+                    <a:p>
+                      <a:pPr algn="ctr" latinLnBrk="1"/>
+                      <a:r>
+                        <a:rPr lang="en-US" altLang="ko-KR" sz="800" b="0" dirty="0">
+                          <a:solidFill>
+                            <a:schemeClr val="tx1"/>
+                          </a:solidFill>
+                        </a:rPr>
+                        <a:t>T= </a:t>
+                      </a:r>
+                      <a:r>
+                        <a:rPr lang="ko-KR" altLang="en-US" sz="800" b="0" dirty="0">
+                          <a:solidFill>
+                            <a:schemeClr val="tx1"/>
+                          </a:solidFill>
+                        </a:rPr>
+                        <a:t>장신구</a:t>
+                      </a:r>
+                      <a:endParaRPr lang="en-US" altLang="ko-KR" sz="800" b="0" dirty="0">
+                        <a:solidFill>
+                          <a:schemeClr val="tx1"/>
+                        </a:solidFill>
+                      </a:endParaRPr>
+                    </a:p>
+                    <a:p>
+                      <a:pPr algn="ctr" latinLnBrk="1"/>
+                      <a:endParaRPr lang="en-US" altLang="ko-KR" sz="800" b="0" dirty="0">
+                        <a:solidFill>
+                          <a:schemeClr val="tx1"/>
+                        </a:solidFill>
+                      </a:endParaRPr>
+                    </a:p>
+                    <a:p>
+                      <a:pPr algn="ctr" latinLnBrk="1"/>
+                      <a:r>
+                        <a:rPr lang="en-US" altLang="ko-KR" sz="800" b="0" dirty="0">
+                          <a:solidFill>
+                            <a:schemeClr val="tx1"/>
+                          </a:solidFill>
+                        </a:rPr>
+                        <a:t>F=</a:t>
+                      </a:r>
+                      <a:r>
+                        <a:rPr lang="ko-KR" altLang="en-US" sz="800" b="0" dirty="0">
+                          <a:solidFill>
+                            <a:schemeClr val="tx1"/>
+                          </a:solidFill>
+                        </a:rPr>
+                        <a:t>음식</a:t>
+                      </a:r>
+                      <a:endParaRPr lang="en-US" altLang="ko-KR" sz="800" b="0" dirty="0">
+                        <a:solidFill>
+                          <a:schemeClr val="tx1"/>
+                        </a:solidFill>
+                      </a:endParaRPr>
+                    </a:p>
+                    <a:p>
+                      <a:pPr algn="ctr" latinLnBrk="1"/>
+                      <a:r>
+                        <a:rPr lang="en-US" altLang="ko-KR" sz="800" b="0" dirty="0">
+                          <a:solidFill>
+                            <a:schemeClr val="tx1"/>
+                          </a:solidFill>
+                        </a:rPr>
+                        <a:t>P=</a:t>
+                      </a:r>
+                      <a:r>
+                        <a:rPr lang="ko-KR" altLang="en-US" sz="800" b="0" dirty="0">
+                          <a:solidFill>
+                            <a:schemeClr val="tx1"/>
+                          </a:solidFill>
+                        </a:rPr>
+                        <a:t>영약</a:t>
+                      </a:r>
+                      <a:endParaRPr lang="en-US" altLang="ko-KR" sz="800" b="0" dirty="0">
+                        <a:solidFill>
+                          <a:schemeClr val="tx1"/>
+                        </a:solidFill>
+                      </a:endParaRPr>
+                    </a:p>
+                    <a:p>
+                      <a:pPr algn="ctr" latinLnBrk="1"/>
+                      <a:endParaRPr lang="en-US" altLang="ko-KR" sz="800" b="0" dirty="0">
+                        <a:solidFill>
+                          <a:schemeClr val="tx1"/>
+                        </a:solidFill>
+                      </a:endParaRPr>
+                    </a:p>
+                  </a:txBody>
+                  <a:tcPr anchor="ctr">
+                    <a:lnL w="12700" cap="flat" cmpd="sng" algn="ctr">
+                      <a:solidFill>
+                        <a:schemeClr val="tx1"/>
+                      </a:solidFill>
+                      <a:prstDash val="solid"/>
+                      <a:round/>
+                      <a:headEnd type="none" w="med" len="med"/>
+                      <a:tailEnd type="none" w="med" len="med"/>
+                    </a:lnL>
+                    <a:lnR w="12700" cap="flat" cmpd="sng" algn="ctr">
+                      <a:solidFill>
+                        <a:schemeClr val="tx1"/>
+                      </a:solidFill>
+                      <a:prstDash val="solid"/>
+                      <a:round/>
+                      <a:headEnd type="none" w="med" len="med"/>
+                      <a:tailEnd type="none" w="med" len="med"/>
+                    </a:lnR>
+                    <a:lnT w="12700" cap="flat" cmpd="sng" algn="ctr">
+                      <a:solidFill>
+                        <a:schemeClr val="tx1"/>
+                      </a:solidFill>
+                      <a:prstDash val="solid"/>
+                      <a:round/>
+                      <a:headEnd type="none" w="med" len="med"/>
+                      <a:tailEnd type="none" w="med" len="med"/>
+                    </a:lnT>
+                    <a:lnB w="12700" cap="flat" cmpd="sng" algn="ctr">
+                      <a:solidFill>
+                        <a:schemeClr val="tx1"/>
+                      </a:solidFill>
+                      <a:prstDash val="solid"/>
+                      <a:round/>
+                      <a:headEnd type="none" w="med" len="med"/>
+                      <a:tailEnd type="none" w="med" len="med"/>
+                    </a:lnB>
+                    <a:lnTlToBr w="12700" cmpd="sng">
+                      <a:noFill/>
+                      <a:prstDash val="solid"/>
+                    </a:lnTlToBr>
+                    <a:lnBlToTr w="12700" cmpd="sng">
+                      <a:noFill/>
+                      <a:prstDash val="solid"/>
+                    </a:lnBlToTr>
+                    <a:noFill/>
+                  </a:tcPr>
+                </a:tc>
+                <a:tc>
+                  <a:txBody>
+                    <a:bodyPr/>
+                    <a:lstStyle/>
+                    <a:p>
+                      <a:pPr algn="ctr" latinLnBrk="1"/>
+                      <a:endParaRPr lang="ko-KR" altLang="en-US" sz="800" b="0" dirty="0">
+                        <a:solidFill>
+                          <a:schemeClr val="tx1"/>
+                        </a:solidFill>
+                      </a:endParaRPr>
+                    </a:p>
+                  </a:txBody>
+                  <a:tcPr anchor="ctr">
+                    <a:lnL w="12700" cap="flat" cmpd="sng" algn="ctr">
+                      <a:solidFill>
+                        <a:schemeClr val="tx1"/>
+                      </a:solidFill>
+                      <a:prstDash val="solid"/>
+                      <a:round/>
+                      <a:headEnd type="none" w="med" len="med"/>
+                      <a:tailEnd type="none" w="med" len="med"/>
+                    </a:lnL>
+                    <a:lnR w="12700" cap="flat" cmpd="sng" algn="ctr">
+                      <a:solidFill>
+                        <a:schemeClr val="tx1"/>
+                      </a:solidFill>
+                      <a:prstDash val="solid"/>
+                      <a:round/>
+                      <a:headEnd type="none" w="med" len="med"/>
+                      <a:tailEnd type="none" w="med" len="med"/>
+                    </a:lnR>
+                    <a:lnT w="12700" cap="flat" cmpd="sng" algn="ctr">
+                      <a:solidFill>
+                        <a:schemeClr val="tx1"/>
+                      </a:solidFill>
+                      <a:prstDash val="solid"/>
+                      <a:round/>
+                      <a:headEnd type="none" w="med" len="med"/>
+                      <a:tailEnd type="none" w="med" len="med"/>
+                    </a:lnT>
+                    <a:lnB w="12700" cap="flat" cmpd="sng" algn="ctr">
+                      <a:solidFill>
+                        <a:schemeClr val="tx1"/>
+                      </a:solidFill>
+                      <a:prstDash val="solid"/>
+                      <a:round/>
+                      <a:headEnd type="none" w="med" len="med"/>
+                      <a:tailEnd type="none" w="med" len="med"/>
+                    </a:lnB>
+                    <a:lnTlToBr w="12700" cmpd="sng">
+                      <a:noFill/>
+                      <a:prstDash val="solid"/>
+                    </a:lnTlToBr>
+                    <a:lnBlToTr w="12700" cmpd="sng">
+                      <a:noFill/>
+                      <a:prstDash val="solid"/>
+                    </a:lnBlToTr>
+                    <a:noFill/>
+                  </a:tcPr>
+                </a:tc>
+                <a:tc>
+                  <a:txBody>
+                    <a:bodyPr/>
+                    <a:lstStyle/>
+                    <a:p>
+                      <a:pPr algn="ctr" latinLnBrk="1"/>
                       <a:endParaRPr lang="ko-KR" altLang="en-US" sz="800" b="0" dirty="0">
                         <a:solidFill>
                           <a:schemeClr val="tx1"/>
@@ -5410,128 +5732,6 @@
                     <a:lstStyle/>
                     <a:p>
                       <a:pPr algn="ctr" latinLnBrk="1"/>
-                      <a:endParaRPr lang="ko-KR" altLang="en-US" sz="800" b="0" dirty="0">
-                        <a:solidFill>
-                          <a:schemeClr val="tx1"/>
-                        </a:solidFill>
-                      </a:endParaRPr>
-                    </a:p>
-                  </a:txBody>
-                  <a:tcPr anchor="ctr">
-                    <a:lnL w="12700" cap="flat" cmpd="sng" algn="ctr">
-                      <a:solidFill>
-                        <a:schemeClr val="tx1"/>
-                      </a:solidFill>
-                      <a:prstDash val="solid"/>
-                      <a:round/>
-                      <a:headEnd type="none" w="med" len="med"/>
-                      <a:tailEnd type="none" w="med" len="med"/>
-                    </a:lnL>
-                    <a:lnR w="12700" cap="flat" cmpd="sng" algn="ctr">
-                      <a:solidFill>
-                        <a:schemeClr val="tx1"/>
-                      </a:solidFill>
-                      <a:prstDash val="solid"/>
-                      <a:round/>
-                      <a:headEnd type="none" w="med" len="med"/>
-                      <a:tailEnd type="none" w="med" len="med"/>
-                    </a:lnR>
-                    <a:lnT w="12700" cap="flat" cmpd="sng" algn="ctr">
-                      <a:solidFill>
-                        <a:schemeClr val="tx1"/>
-                      </a:solidFill>
-                      <a:prstDash val="solid"/>
-                      <a:round/>
-                      <a:headEnd type="none" w="med" len="med"/>
-                      <a:tailEnd type="none" w="med" len="med"/>
-                    </a:lnT>
-                    <a:lnB w="12700" cap="flat" cmpd="sng" algn="ctr">
-                      <a:solidFill>
-                        <a:schemeClr val="tx1"/>
-                      </a:solidFill>
-                      <a:prstDash val="solid"/>
-                      <a:round/>
-                      <a:headEnd type="none" w="med" len="med"/>
-                      <a:tailEnd type="none" w="med" len="med"/>
-                    </a:lnB>
-                    <a:lnTlToBr w="12700" cmpd="sng">
-                      <a:noFill/>
-                      <a:prstDash val="solid"/>
-                    </a:lnTlToBr>
-                    <a:lnBlToTr w="12700" cmpd="sng">
-                      <a:noFill/>
-                      <a:prstDash val="solid"/>
-                    </a:lnBlToTr>
-                    <a:noFill/>
-                  </a:tcPr>
-                </a:tc>
-                <a:tc>
-                  <a:txBody>
-                    <a:bodyPr/>
-                    <a:lstStyle/>
-                    <a:p>
-                      <a:pPr algn="ctr" latinLnBrk="1"/>
-                      <a:endParaRPr lang="ko-KR" altLang="en-US" sz="800" b="0">
-                        <a:solidFill>
-                          <a:schemeClr val="tx1"/>
-                        </a:solidFill>
-                      </a:endParaRPr>
-                    </a:p>
-                  </a:txBody>
-                  <a:tcPr anchor="ctr">
-                    <a:lnL w="12700" cap="flat" cmpd="sng" algn="ctr">
-                      <a:solidFill>
-                        <a:schemeClr val="tx1"/>
-                      </a:solidFill>
-                      <a:prstDash val="solid"/>
-                      <a:round/>
-                      <a:headEnd type="none" w="med" len="med"/>
-                      <a:tailEnd type="none" w="med" len="med"/>
-                    </a:lnL>
-                    <a:lnR w="12700" cap="flat" cmpd="sng" algn="ctr">
-                      <a:solidFill>
-                        <a:schemeClr val="tx1"/>
-                      </a:solidFill>
-                      <a:prstDash val="solid"/>
-                      <a:round/>
-                      <a:headEnd type="none" w="med" len="med"/>
-                      <a:tailEnd type="none" w="med" len="med"/>
-                    </a:lnR>
-                    <a:lnT w="12700" cap="flat" cmpd="sng" algn="ctr">
-                      <a:solidFill>
-                        <a:schemeClr val="tx1"/>
-                      </a:solidFill>
-                      <a:prstDash val="solid"/>
-                      <a:round/>
-                      <a:headEnd type="none" w="med" len="med"/>
-                      <a:tailEnd type="none" w="med" len="med"/>
-                    </a:lnT>
-                    <a:lnB w="12700" cap="flat" cmpd="sng" algn="ctr">
-                      <a:solidFill>
-                        <a:schemeClr val="tx1"/>
-                      </a:solidFill>
-                      <a:prstDash val="solid"/>
-                      <a:round/>
-                      <a:headEnd type="none" w="med" len="med"/>
-                      <a:tailEnd type="none" w="med" len="med"/>
-                    </a:lnB>
-                    <a:lnTlToBr w="12700" cmpd="sng">
-                      <a:noFill/>
-                      <a:prstDash val="solid"/>
-                    </a:lnTlToBr>
-                    <a:lnBlToTr w="12700" cmpd="sng">
-                      <a:noFill/>
-                      <a:prstDash val="solid"/>
-                    </a:lnBlToTr>
-                    <a:noFill/>
-                  </a:tcPr>
-                </a:tc>
-                <a:tc>
-                  <a:txBody>
-                    <a:bodyPr/>
-                    <a:lstStyle/>
-                    <a:p>
-                      <a:pPr algn="ctr" latinLnBrk="1"/>
                       <a:endParaRPr lang="ko-KR" altLang="en-US" sz="800" b="0">
                         <a:solidFill>
                           <a:schemeClr val="tx1"/>
@@ -5654,7 +5854,7 @@
                   </a:ext>
                 </a:extLst>
               </a:tr>
-              <a:tr h="370840">
+              <a:tr h="0">
                 <a:tc>
                   <a:txBody>
                     <a:bodyPr/>
@@ -5977,7 +6177,7 @@
                     <a:lstStyle/>
                     <a:p>
                       <a:pPr algn="ctr" latinLnBrk="1"/>
-                      <a:endParaRPr lang="ko-KR" altLang="en-US" sz="800" b="0">
+                      <a:endParaRPr lang="ko-KR" altLang="en-US" sz="800" b="0" dirty="0">
                         <a:solidFill>
                           <a:schemeClr val="tx1"/>
                         </a:solidFill>
@@ -6160,7 +6360,7 @@
                   </a:ext>
                 </a:extLst>
               </a:tr>
-              <a:tr h="370840">
+              <a:tr h="231805">
                 <a:tc>
                   <a:txBody>
                     <a:bodyPr/>
@@ -6600,7 +6800,7 @@
                     <a:lstStyle/>
                     <a:p>
                       <a:pPr algn="ctr" latinLnBrk="1"/>
-                      <a:endParaRPr lang="ko-KR" altLang="en-US" sz="800" b="0">
+                      <a:endParaRPr lang="ko-KR" altLang="en-US" sz="800" b="0" dirty="0">
                         <a:solidFill>
                           <a:schemeClr val="tx1"/>
                         </a:solidFill>
